--- a/Slides_NetMed_Sprint1.pptx
+++ b/Slides_NetMed_Sprint1.pptx
@@ -37,6 +37,11 @@
       <p:bold r:id="rId20"/>
       <p:italic r:id="rId21"/>
       <p:boldItalic r:id="rId22"/>
+    </p:embeddedFont>
+    <p:embeddedFont>
+      <p:font typeface="Nunito Sans ExtraBold" pitchFamily="2" charset="0"/>
+      <p:bold r:id="rId23"/>
+      <p:boldItalic r:id="rId24"/>
     </p:embeddedFont>
   </p:embeddedFontLst>
   <p:defaultTextStyle>
@@ -301,9 +306,54 @@
 <file path=ppt/revisionInfo.xml><?xml version="1.0" encoding="utf-8"?>
 <p1510:revInfo xmlns:a="http://schemas.openxmlformats.org/drawingml/2006/main" xmlns:r="http://schemas.openxmlformats.org/officeDocument/2006/relationships" xmlns:p1510="http://schemas.microsoft.com/office/powerpoint/2015/10/main">
   <p1510:revLst>
-    <p1510:client id="{3DA4F3E4-DDDE-B469-9729-EE4C1159551F}" v="3" dt="2024-03-26T14:11:17.821"/>
+    <p1510:client id="{D05EE121-1AE2-4938-83EA-3B7064DFA570}" v="2" dt="2024-05-02T21:10:19.082"/>
   </p1510:revLst>
 </p1510:revInfo>
+</file>
+
+<file path=ppt/changesInfos/changesInfo1.xml><?xml version="1.0" encoding="utf-8"?>
+<pc:chgInfo xmlns:a="http://schemas.openxmlformats.org/drawingml/2006/main" xmlns:r="http://schemas.openxmlformats.org/officeDocument/2006/relationships" xmlns:ac="http://schemas.microsoft.com/office/drawing/2013/main/command" xmlns:pc="http://schemas.microsoft.com/office/powerpoint/2013/main/command">
+  <pc:docChgLst>
+    <pc:chgData name="VAGNER JOSÉ DI BENEDETTO VILLELA DE ANDRADE ." userId="39095851-9987-426c-992c-64b07dc30090" providerId="ADAL" clId="{D05EE121-1AE2-4938-83EA-3B7064DFA570}"/>
+    <pc:docChg chg="undo custSel modSld">
+      <pc:chgData name="VAGNER JOSÉ DI BENEDETTO VILLELA DE ANDRADE ." userId="39095851-9987-426c-992c-64b07dc30090" providerId="ADAL" clId="{D05EE121-1AE2-4938-83EA-3B7064DFA570}" dt="2024-05-02T21:10:19.082" v="10"/>
+      <pc:docMkLst>
+        <pc:docMk/>
+      </pc:docMkLst>
+      <pc:sldChg chg="addSp delSp modSp mod setBg">
+        <pc:chgData name="VAGNER JOSÉ DI BENEDETTO VILLELA DE ANDRADE ." userId="39095851-9987-426c-992c-64b07dc30090" providerId="ADAL" clId="{D05EE121-1AE2-4938-83EA-3B7064DFA570}" dt="2024-05-02T21:10:19.082" v="10"/>
+        <pc:sldMkLst>
+          <pc:docMk/>
+          <pc:sldMk cId="0" sldId="256"/>
+        </pc:sldMkLst>
+        <pc:spChg chg="add del mod">
+          <ac:chgData name="VAGNER JOSÉ DI BENEDETTO VILLELA DE ANDRADE ." userId="39095851-9987-426c-992c-64b07dc30090" providerId="ADAL" clId="{D05EE121-1AE2-4938-83EA-3B7064DFA570}" dt="2024-05-02T21:10:17.960" v="5" actId="478"/>
+          <ac:spMkLst>
+            <pc:docMk/>
+            <pc:sldMk cId="0" sldId="256"/>
+            <ac:spMk id="4" creationId="{7D3096B8-D509-8E2A-2642-7431D8C4366F}"/>
+          </ac:spMkLst>
+        </pc:spChg>
+        <pc:spChg chg="add del mod">
+          <ac:chgData name="VAGNER JOSÉ DI BENEDETTO VILLELA DE ANDRADE ." userId="39095851-9987-426c-992c-64b07dc30090" providerId="ADAL" clId="{D05EE121-1AE2-4938-83EA-3B7064DFA570}" dt="2024-05-02T21:10:18.748" v="8" actId="20577"/>
+          <ac:spMkLst>
+            <pc:docMk/>
+            <pc:sldMk cId="0" sldId="256"/>
+            <ac:spMk id="116" creationId="{00000000-0000-0000-0000-000000000000}"/>
+          </ac:spMkLst>
+        </pc:spChg>
+        <pc:spChg chg="add del">
+          <ac:chgData name="VAGNER JOSÉ DI BENEDETTO VILLELA DE ANDRADE ." userId="39095851-9987-426c-992c-64b07dc30090" providerId="ADAL" clId="{D05EE121-1AE2-4938-83EA-3B7064DFA570}" dt="2024-05-02T21:10:18.904" v="9" actId="478"/>
+          <ac:spMkLst>
+            <pc:docMk/>
+            <pc:sldMk cId="0" sldId="256"/>
+            <ac:spMk id="118" creationId="{00000000-0000-0000-0000-000000000000}"/>
+          </ac:spMkLst>
+        </pc:spChg>
+      </pc:sldChg>
+    </pc:docChg>
+  </pc:docChgLst>
+</pc:chgInfo>
 </file>
 
 <file path=ppt/notesMasters/notesMaster1.xml><?xml version="1.0" encoding="utf-8"?>
@@ -14438,7 +14488,7 @@
               <a:buNone/>
             </a:pPr>
             <a:r>
-              <a:rPr lang="pt-BR" sz="1800" b="1" i="0">
+              <a:rPr lang="pt-BR" sz="1800" b="1" i="0" dirty="0">
                 <a:solidFill>
                   <a:schemeClr val="bg1"/>
                 </a:solidFill>
@@ -14447,7 +14497,7 @@
               </a:rPr>
               <a:t>Sua parceira confiável em monitoramento de tráfego de redes em hospitais!</a:t>
             </a:r>
-            <a:endParaRPr sz="1800" b="1">
+            <a:endParaRPr lang="pt-BR" sz="1800" b="1" dirty="0">
               <a:solidFill>
                 <a:schemeClr val="bg1"/>
               </a:solidFill>
@@ -19611,14 +19661,14 @@
           <a:p>
             <a:pPr algn="ctr"/>
             <a:r>
-              <a:rPr lang="pt-BR" sz="1200">
+              <a:rPr lang="pt-BR" sz="1200" dirty="0">
                 <a:solidFill>
                   <a:srgbClr val="191919"/>
                 </a:solidFill>
               </a:rPr>
               <a:t>Vagner Di Benedetto</a:t>
             </a:r>
-            <a:endParaRPr lang="pt-BR" sz="1600">
+            <a:endParaRPr lang="pt-BR" sz="1600" dirty="0">
               <a:solidFill>
                 <a:srgbClr val="191919"/>
               </a:solidFill>
